--- a/ВКР и презентация/Презентация Живайкин.pptx
+++ b/ВКР и презентация/Презентация Живайкин.pptx
@@ -214,7 +214,7 @@
           <a:p>
             <a:fld id="{48275A0E-C25C-4844-BCD6-0D5A7E07F2D0}" type="datetimeFigureOut">
               <a:rPr lang="ru-RU" smtClean="0"/>
-              <a:t>08.06.2025</a:t>
+              <a:t>09.06.2025</a:t>
             </a:fld>
             <a:endParaRPr lang="ru-RU"/>
           </a:p>
@@ -639,7 +639,7 @@
           <a:p>
             <a:fld id="{537584E6-DCA2-4B40-BE2B-9E4D6F957C76}" type="datetime1">
               <a:rPr lang="en-US" smtClean="0"/>
-              <a:t>6/8/2025</a:t>
+              <a:t>6/9/2025</a:t>
             </a:fld>
             <a:endParaRPr lang="en-US" dirty="0"/>
           </a:p>
@@ -868,7 +868,7 @@
           <a:p>
             <a:fld id="{965A44BE-D846-46F4-A988-B223D5CE281E}" type="datetime1">
               <a:rPr lang="en-US" smtClean="0"/>
-              <a:t>6/8/2025</a:t>
+              <a:t>6/9/2025</a:t>
             </a:fld>
             <a:endParaRPr lang="en-US" dirty="0"/>
           </a:p>
@@ -1049,7 +1049,7 @@
           <a:p>
             <a:fld id="{D21914EB-A483-4419-9032-375E7F200D72}" type="datetime1">
               <a:rPr lang="en-US" smtClean="0"/>
-              <a:t>6/8/2025</a:t>
+              <a:t>6/9/2025</a:t>
             </a:fld>
             <a:endParaRPr lang="en-US" dirty="0"/>
           </a:p>
@@ -1220,7 +1220,7 @@
           <a:p>
             <a:fld id="{624DD019-5FA3-4152-A7F6-D7218E0C4369}" type="datetime1">
               <a:rPr lang="en-US" smtClean="0"/>
-              <a:t>6/8/2025</a:t>
+              <a:t>6/9/2025</a:t>
             </a:fld>
             <a:endParaRPr lang="en-US" dirty="0"/>
           </a:p>
@@ -1475,7 +1475,7 @@
           <a:p>
             <a:fld id="{A2A449D2-0BA2-4DE4-A416-DCB6AB90561C}" type="datetime1">
               <a:rPr lang="en-US" smtClean="0"/>
-              <a:t>6/8/2025</a:t>
+              <a:t>6/9/2025</a:t>
             </a:fld>
             <a:endParaRPr lang="en-US" dirty="0"/>
           </a:p>
@@ -1802,7 +1802,7 @@
           <a:p>
             <a:fld id="{868D23FF-B383-4CCE-9039-49D2A5A0355A}" type="datetime1">
               <a:rPr lang="en-US" smtClean="0"/>
-              <a:t>6/8/2025</a:t>
+              <a:t>6/9/2025</a:t>
             </a:fld>
             <a:endParaRPr lang="en-US" dirty="0"/>
           </a:p>
@@ -2254,7 +2254,7 @@
           <a:p>
             <a:fld id="{EDCDCBD0-BCC7-4C26-BAE7-BC7C8CA743AE}" type="datetime1">
               <a:rPr lang="en-US" smtClean="0"/>
-              <a:t>6/8/2025</a:t>
+              <a:t>6/9/2025</a:t>
             </a:fld>
             <a:endParaRPr lang="en-US" dirty="0"/>
           </a:p>
@@ -2373,7 +2373,7 @@
           <a:p>
             <a:fld id="{24B7E630-5D8B-42F4-98D5-C7FB8607C7D0}" type="datetime1">
               <a:rPr lang="en-US" smtClean="0"/>
-              <a:t>6/8/2025</a:t>
+              <a:t>6/9/2025</a:t>
             </a:fld>
             <a:endParaRPr lang="en-US" dirty="0"/>
           </a:p>
@@ -2469,7 +2469,7 @@
           <a:p>
             <a:fld id="{8B181F52-3EE8-45C0-B730-7095EB17E876}" type="datetime1">
               <a:rPr lang="en-US" smtClean="0"/>
-              <a:t>6/8/2025</a:t>
+              <a:t>6/9/2025</a:t>
             </a:fld>
             <a:endParaRPr lang="en-US" dirty="0"/>
           </a:p>
@@ -2757,7 +2757,7 @@
           <a:p>
             <a:fld id="{7EA489AE-A35E-40AF-B180-4E502A91A5C6}" type="datetime1">
               <a:rPr lang="en-US" smtClean="0"/>
-              <a:t>6/8/2025</a:t>
+              <a:t>6/9/2025</a:t>
             </a:fld>
             <a:endParaRPr lang="en-US" dirty="0"/>
           </a:p>
@@ -3080,7 +3080,7 @@
           <a:p>
             <a:fld id="{3B6D93D2-149C-4359-84BB-E2EC5A18555D}" type="datetime1">
               <a:rPr lang="en-US" smtClean="0"/>
-              <a:t>6/8/2025</a:t>
+              <a:t>6/9/2025</a:t>
             </a:fld>
             <a:endParaRPr lang="en-US" dirty="0"/>
           </a:p>
@@ -3335,7 +3335,7 @@
           <a:p>
             <a:fld id="{267B5B94-0C16-434D-8829-0B39C441A65A}" type="datetime1">
               <a:rPr lang="en-US" smtClean="0"/>
-              <a:t>6/8/2025</a:t>
+              <a:t>6/9/2025</a:t>
             </a:fld>
             <a:endParaRPr lang="en-US" dirty="0"/>
           </a:p>
@@ -4127,6 +4127,16 @@
               </a:rPr>
               <a:t>На тему: Разработка приложения книжного магазина «Дом книги»</a:t>
             </a:r>
+            <a:r>
+              <a:rPr lang="en-US" dirty="0">
+                <a:solidFill>
+                  <a:schemeClr val="tx1"/>
+                </a:solidFill>
+                <a:latin typeface="Times New Roman" panose="02020603050405020304" pitchFamily="18" charset="0"/>
+                <a:cs typeface="Times New Roman" panose="02020603050405020304" pitchFamily="18" charset="0"/>
+              </a:rPr>
+              <a:t/>
+            </a:r>
             <a:br>
               <a:rPr lang="en-US" dirty="0">
                 <a:solidFill>
@@ -4165,6 +4175,16 @@
                 <a:cs typeface="Times New Roman" panose="02020603050405020304" pitchFamily="18" charset="0"/>
               </a:rPr>
               <a:t> Артём Григорьевич ИСП41-21</a:t>
+            </a:r>
+            <a:r>
+              <a:rPr lang="en-US" dirty="0">
+                <a:solidFill>
+                  <a:schemeClr val="tx1"/>
+                </a:solidFill>
+                <a:latin typeface="Times New Roman" panose="02020603050405020304" pitchFamily="18" charset="0"/>
+                <a:cs typeface="Times New Roman" panose="02020603050405020304" pitchFamily="18" charset="0"/>
+              </a:rPr>
+              <a:t/>
             </a:r>
             <a:br>
               <a:rPr lang="en-US" dirty="0">
@@ -7015,8 +7035,17 @@
             </a:pPr>
             <a:r>
               <a:rPr lang="ru-RU" dirty="0"/>
-              <a:t>В ходе выполнения выпускной квалификационной работы был успешно разработан программный комплекс для автоматизации управления ракетным производством. Проведенная работа включала проработку функциональных модулей системы и их взаимосвязей, что обеспечило четкое выполнение производственных процессов. В ходе проекта проведен детальный анализ экономической составляющей, включающий расчет полной себестоимости разработки с учетом всех прямых и косвенных затрат, что позволило обосновать эффективность внедрения системы.</a:t>
+              <a:t>В ходе выполнения выпускной квалификационной работы был успешно разработан программный комплекс для автоматизации управления ракетным производством. Проведенная работа включала проработку функциональных модулей системы и их взаимосвязей, что обеспечило четкое выполнение производственных процессов. В ходе проекта проведен детальный анализ экономической составляющей, включающий расчет полной себестоимости разработки с учетом всех прямых и косвенных затрат, что позволило обосновать эффективность внедрения системы. Были даны основные рекомендации по технике безопасности при работе на </a:t>
             </a:r>
+            <a:r>
+              <a:rPr lang="ru-RU" dirty="0" err="1"/>
+              <a:t>произ-водстве</a:t>
+            </a:r>
+            <a:r>
+              <a:rPr lang="ru-RU" dirty="0"/>
+              <a:t> с ЭВМ.</a:t>
+            </a:r>
+            <a:endParaRPr lang="ru-RU" dirty="0"/>
           </a:p>
         </p:txBody>
       </p:sp>
@@ -18630,8 +18659,8 @@
         </p:blipFill>
         <p:spPr>
           <a:xfrm>
-            <a:off x="2891487" y="1047404"/>
-            <a:ext cx="6409027" cy="5519016"/>
+            <a:off x="2392163" y="1047404"/>
+            <a:ext cx="7407674" cy="5519016"/>
           </a:xfrm>
         </p:spPr>
       </p:pic>
@@ -18756,43 +18785,6 @@
           </a:p>
         </p:txBody>
       </p:sp>
-      <p:pic>
-        <p:nvPicPr>
-          <p:cNvPr id="4" name="Объект 3"/>
-          <p:cNvPicPr>
-            <a:picLocks noGrp="1"/>
-          </p:cNvPicPr>
-          <p:nvPr>
-            <p:ph idx="1"/>
-          </p:nvPr>
-        </p:nvPicPr>
-        <p:blipFill>
-          <a:blip r:embed="rId2">
-            <a:extLst>
-              <a:ext uri="{28A0092B-C50C-407E-A947-70E740481C1C}">
-                <a14:useLocalDpi xmlns:a14="http://schemas.microsoft.com/office/drawing/2010/main" val="0"/>
-              </a:ext>
-            </a:extLst>
-          </a:blip>
-          <a:srcRect/>
-          <a:stretch>
-            <a:fillRect/>
-          </a:stretch>
-        </p:blipFill>
-        <p:spPr bwMode="auto">
-          <a:xfrm>
-            <a:off x="3713673" y="1047404"/>
-            <a:ext cx="4764654" cy="5604492"/>
-          </a:xfrm>
-          <a:prstGeom prst="rect">
-            <a:avLst/>
-          </a:prstGeom>
-          <a:noFill/>
-          <a:ln>
-            <a:noFill/>
-          </a:ln>
-        </p:spPr>
-      </p:pic>
       <p:sp>
         <p:nvSpPr>
           <p:cNvPr id="5" name="Номер слайда 4"/>
@@ -18834,7 +18826,7 @@
           <p:nvPr/>
         </p:nvPicPr>
         <p:blipFill>
-          <a:blip r:embed="rId3" cstate="print">
+          <a:blip r:embed="rId2" cstate="print">
             <a:extLst>
               <a:ext uri="{28A0092B-C50C-407E-A947-70E740481C1C}">
                 <a14:useLocalDpi xmlns:a14="http://schemas.microsoft.com/office/drawing/2010/main" val="0"/>
@@ -18849,6 +18841,32 @@
           <a:xfrm>
             <a:off x="11445532" y="121648"/>
             <a:ext cx="607092" cy="584934"/>
+          </a:xfrm>
+          <a:prstGeom prst="rect">
+            <a:avLst/>
+          </a:prstGeom>
+        </p:spPr>
+      </p:pic>
+      <p:pic>
+        <p:nvPicPr>
+          <p:cNvPr id="8" name="Объект 7"/>
+          <p:cNvPicPr>
+            <a:picLocks noGrp="1" noChangeAspect="1"/>
+          </p:cNvPicPr>
+          <p:nvPr>
+            <p:ph idx="1"/>
+          </p:nvPr>
+        </p:nvPicPr>
+        <p:blipFill>
+          <a:blip r:embed="rId3"/>
+          <a:stretch>
+            <a:fillRect/>
+          </a:stretch>
+        </p:blipFill>
+        <p:spPr>
+          <a:xfrm>
+            <a:off x="1188742" y="1047404"/>
+            <a:ext cx="9814516" cy="5246506"/>
           </a:xfrm>
           <a:prstGeom prst="rect">
             <a:avLst/>
@@ -18938,8 +18956,8 @@
         </p:blipFill>
         <p:spPr>
           <a:xfrm>
-            <a:off x="3899454" y="1047404"/>
-            <a:ext cx="4393093" cy="5480273"/>
+            <a:off x="3114681" y="1104061"/>
+            <a:ext cx="5962638" cy="5365001"/>
           </a:xfrm>
           <a:prstGeom prst="rect">
             <a:avLst/>
